--- a/Diagram.pptx
+++ b/Diagram.pptx
@@ -3071,7 +3071,7 @@
           <p:spPr>
             <a:xfrm>
               <a:off x="486064" y="1151466"/>
-              <a:ext cx="2473035" cy="830997"/>
+              <a:ext cx="2473035" cy="338554"/>
             </a:xfrm>
             <a:prstGeom prst="rect">
               <a:avLst/>
@@ -3091,7 +3091,7 @@
                   <a:ea typeface="Arial" charset="0"/>
                   <a:cs typeface="Arial" charset="0"/>
                 </a:rPr>
-                <a:t>The ID gives a unique identifier for each row in the data.</a:t>
+                <a:t>Not used in calculation</a:t>
               </a:r>
               <a:endParaRPr lang="en-US" sz="1600" dirty="0">
                 <a:latin typeface="Arial" charset="0"/>
@@ -3209,7 +3209,7 @@
           <p:spPr>
             <a:xfrm>
               <a:off x="486064" y="1151466"/>
-              <a:ext cx="2473035" cy="830997"/>
+              <a:ext cx="2473035" cy="338554"/>
             </a:xfrm>
             <a:prstGeom prst="rect">
               <a:avLst/>
@@ -3229,7 +3229,7 @@
                   <a:ea typeface="Arial" charset="0"/>
                   <a:cs typeface="Arial" charset="0"/>
                 </a:rPr>
-                <a:t>The ID gives a unique identifier for each row in the data.</a:t>
+                <a:t>Euclidean</a:t>
               </a:r>
               <a:endParaRPr lang="en-US" sz="1600" dirty="0">
                 <a:latin typeface="Arial" charset="0"/>
@@ -3347,7 +3347,7 @@
           <p:spPr>
             <a:xfrm>
               <a:off x="486064" y="1151466"/>
-              <a:ext cx="2473035" cy="830997"/>
+              <a:ext cx="2473035" cy="338554"/>
             </a:xfrm>
             <a:prstGeom prst="rect">
               <a:avLst/>
@@ -3367,7 +3367,7 @@
                   <a:ea typeface="Arial" charset="0"/>
                   <a:cs typeface="Arial" charset="0"/>
                 </a:rPr>
-                <a:t>The ID gives a unique identifier for each row in the data.</a:t>
+                <a:t>SMC</a:t>
               </a:r>
               <a:endParaRPr lang="en-US" sz="1600" dirty="0">
                 <a:latin typeface="Arial" charset="0"/>
@@ -3485,7 +3485,7 @@
           <p:spPr>
             <a:xfrm>
               <a:off x="486064" y="1151466"/>
-              <a:ext cx="2473035" cy="830997"/>
+              <a:ext cx="2473035" cy="338554"/>
             </a:xfrm>
             <a:prstGeom prst="rect">
               <a:avLst/>
@@ -3505,7 +3505,7 @@
                   <a:ea typeface="Arial" charset="0"/>
                   <a:cs typeface="Arial" charset="0"/>
                 </a:rPr>
-                <a:t>The ID gives a unique identifier for each row in the data.</a:t>
+                <a:t>Euclidean</a:t>
               </a:r>
               <a:endParaRPr lang="en-US" sz="1600" dirty="0">
                 <a:latin typeface="Arial" charset="0"/>
@@ -3623,7 +3623,7 @@
           <p:spPr>
             <a:xfrm>
               <a:off x="486064" y="1151466"/>
-              <a:ext cx="2473035" cy="830997"/>
+              <a:ext cx="2473035" cy="338554"/>
             </a:xfrm>
             <a:prstGeom prst="rect">
               <a:avLst/>
@@ -3643,7 +3643,7 @@
                   <a:ea typeface="Arial" charset="0"/>
                   <a:cs typeface="Arial" charset="0"/>
                 </a:rPr>
-                <a:t>The ID gives a unique identifier for each row in the data.</a:t>
+                <a:t>SMC</a:t>
               </a:r>
               <a:endParaRPr lang="en-US" sz="1600" dirty="0">
                 <a:latin typeface="Arial" charset="0"/>
@@ -3761,7 +3761,7 @@
           <p:spPr>
             <a:xfrm>
               <a:off x="486064" y="1151466"/>
-              <a:ext cx="2473035" cy="830997"/>
+              <a:ext cx="2473035" cy="338554"/>
             </a:xfrm>
             <a:prstGeom prst="rect">
               <a:avLst/>
@@ -3781,7 +3781,7 @@
                   <a:ea typeface="Arial" charset="0"/>
                   <a:cs typeface="Arial" charset="0"/>
                 </a:rPr>
-                <a:t>The ID gives a unique identifier for each row in the data.</a:t>
+                <a:t>SMC</a:t>
               </a:r>
               <a:endParaRPr lang="en-US" sz="1600" dirty="0">
                 <a:latin typeface="Arial" charset="0"/>
@@ -3899,7 +3899,7 @@
           <p:spPr>
             <a:xfrm>
               <a:off x="486064" y="1151466"/>
-              <a:ext cx="2473035" cy="830997"/>
+              <a:ext cx="2473035" cy="338554"/>
             </a:xfrm>
             <a:prstGeom prst="rect">
               <a:avLst/>
@@ -3914,12 +3914,12 @@
             <a:p>
               <a:pPr algn="ctr"/>
               <a:r>
-                <a:rPr lang="en-US" sz="1600" dirty="0" smtClean="0">
+                <a:rPr lang="en-US" sz="1600" dirty="0" err="1" smtClean="0">
                   <a:latin typeface="Arial" charset="0"/>
                   <a:ea typeface="Arial" charset="0"/>
                   <a:cs typeface="Arial" charset="0"/>
                 </a:rPr>
-                <a:t>The ID gives a unique identifier for each row in the data.</a:t>
+                <a:t>Jaccard</a:t>
               </a:r>
               <a:endParaRPr lang="en-US" sz="1600" dirty="0">
                 <a:latin typeface="Arial" charset="0"/>
@@ -4037,7 +4037,7 @@
           <p:spPr>
             <a:xfrm>
               <a:off x="486064" y="1151466"/>
-              <a:ext cx="2473035" cy="830997"/>
+              <a:ext cx="2473035" cy="338554"/>
             </a:xfrm>
             <a:prstGeom prst="rect">
               <a:avLst/>
@@ -4057,7 +4057,7 @@
                   <a:ea typeface="Arial" charset="0"/>
                   <a:cs typeface="Arial" charset="0"/>
                 </a:rPr>
-                <a:t>The ID gives a unique identifier for each row in the data.</a:t>
+                <a:t>Euclidean.</a:t>
               </a:r>
               <a:endParaRPr lang="en-US" sz="1600" dirty="0">
                 <a:latin typeface="Arial" charset="0"/>
@@ -4175,7 +4175,7 @@
           <p:spPr>
             <a:xfrm>
               <a:off x="486064" y="1151466"/>
-              <a:ext cx="2473035" cy="830997"/>
+              <a:ext cx="2473035" cy="338554"/>
             </a:xfrm>
             <a:prstGeom prst="rect">
               <a:avLst/>
@@ -4195,7 +4195,7 @@
                   <a:ea typeface="Arial" charset="0"/>
                   <a:cs typeface="Arial" charset="0"/>
                 </a:rPr>
-                <a:t>The ID gives a unique identifier for each row in the data.</a:t>
+                <a:t>SMC</a:t>
               </a:r>
               <a:endParaRPr lang="en-US" sz="1600" dirty="0">
                 <a:latin typeface="Arial" charset="0"/>
@@ -4313,7 +4313,7 @@
           <p:spPr>
             <a:xfrm>
               <a:off x="486064" y="1151466"/>
-              <a:ext cx="2473035" cy="830997"/>
+              <a:ext cx="2473035" cy="338554"/>
             </a:xfrm>
             <a:prstGeom prst="rect">
               <a:avLst/>
@@ -4328,12 +4328,12 @@
             <a:p>
               <a:pPr algn="ctr"/>
               <a:r>
-                <a:rPr lang="en-US" sz="1600" dirty="0" smtClean="0">
+                <a:rPr lang="en-US" sz="1600" smtClean="0">
                   <a:latin typeface="Arial" charset="0"/>
                   <a:ea typeface="Arial" charset="0"/>
                   <a:cs typeface="Arial" charset="0"/>
                 </a:rPr>
-                <a:t>The ID gives a unique identifier for each row in the data.</a:t>
+                <a:t>SMC</a:t>
               </a:r>
               <a:endParaRPr lang="en-US" sz="1600" dirty="0">
                 <a:latin typeface="Arial" charset="0"/>
@@ -4451,7 +4451,7 @@
           <p:spPr>
             <a:xfrm>
               <a:off x="486064" y="1151466"/>
-              <a:ext cx="2473035" cy="830997"/>
+              <a:ext cx="2473035" cy="338554"/>
             </a:xfrm>
             <a:prstGeom prst="rect">
               <a:avLst/>
@@ -4471,7 +4471,7 @@
                   <a:ea typeface="Arial" charset="0"/>
                   <a:cs typeface="Arial" charset="0"/>
                 </a:rPr>
-                <a:t>The ID gives a unique identifier for each row in the data.</a:t>
+                <a:t>SMC</a:t>
               </a:r>
               <a:endParaRPr lang="en-US" sz="1600" dirty="0">
                 <a:latin typeface="Arial" charset="0"/>
@@ -4589,7 +4589,7 @@
           <p:spPr>
             <a:xfrm>
               <a:off x="486064" y="1151466"/>
-              <a:ext cx="2473035" cy="830997"/>
+              <a:ext cx="2473035" cy="338554"/>
             </a:xfrm>
             <a:prstGeom prst="rect">
               <a:avLst/>
@@ -4604,12 +4604,12 @@
             <a:p>
               <a:pPr algn="ctr"/>
               <a:r>
-                <a:rPr lang="en-US" sz="1600" dirty="0" smtClean="0">
+                <a:rPr lang="en-US" sz="1600" dirty="0" err="1" smtClean="0">
                   <a:latin typeface="Arial" charset="0"/>
                   <a:ea typeface="Arial" charset="0"/>
                   <a:cs typeface="Arial" charset="0"/>
                 </a:rPr>
-                <a:t>The ID gives a unique identifier for each row in the data.</a:t>
+                <a:t>Jacccard</a:t>
               </a:r>
               <a:endParaRPr lang="en-US" sz="1600" dirty="0">
                 <a:latin typeface="Arial" charset="0"/>
@@ -4727,7 +4727,7 @@
           <p:spPr>
             <a:xfrm>
               <a:off x="486064" y="1151466"/>
-              <a:ext cx="2473035" cy="830997"/>
+              <a:ext cx="2473035" cy="338554"/>
             </a:xfrm>
             <a:prstGeom prst="rect">
               <a:avLst/>
@@ -4747,7 +4747,7 @@
                   <a:ea typeface="Arial" charset="0"/>
                   <a:cs typeface="Arial" charset="0"/>
                 </a:rPr>
-                <a:t>The ID gives a unique identifier for each row in the data.</a:t>
+                <a:t>Euclidean</a:t>
               </a:r>
               <a:endParaRPr lang="en-US" sz="1600" dirty="0">
                 <a:latin typeface="Arial" charset="0"/>
@@ -4865,7 +4865,7 @@
           <p:spPr>
             <a:xfrm>
               <a:off x="486064" y="1151466"/>
-              <a:ext cx="2473035" cy="830997"/>
+              <a:ext cx="2473035" cy="338554"/>
             </a:xfrm>
             <a:prstGeom prst="rect">
               <a:avLst/>
@@ -4885,7 +4885,7 @@
                   <a:ea typeface="Arial" charset="0"/>
                   <a:cs typeface="Arial" charset="0"/>
                 </a:rPr>
-                <a:t>The ID gives a unique identifier for each row in the data.</a:t>
+                <a:t>SMC</a:t>
               </a:r>
               <a:endParaRPr lang="en-US" sz="1600" dirty="0">
                 <a:latin typeface="Arial" charset="0"/>
@@ -5003,7 +5003,7 @@
           <p:spPr>
             <a:xfrm>
               <a:off x="486064" y="1151466"/>
-              <a:ext cx="2473035" cy="830997"/>
+              <a:ext cx="2473035" cy="338554"/>
             </a:xfrm>
             <a:prstGeom prst="rect">
               <a:avLst/>
@@ -5023,7 +5023,7 @@
                   <a:ea typeface="Arial" charset="0"/>
                   <a:cs typeface="Arial" charset="0"/>
                 </a:rPr>
-                <a:t>The ID gives a unique identifier for each row in the data.</a:t>
+                <a:t>SMC</a:t>
               </a:r>
               <a:endParaRPr lang="en-US" sz="1600" dirty="0">
                 <a:latin typeface="Arial" charset="0"/>
@@ -5141,7 +5141,7 @@
           <p:spPr>
             <a:xfrm>
               <a:off x="486064" y="1151466"/>
-              <a:ext cx="2473035" cy="830997"/>
+              <a:ext cx="2473035" cy="338554"/>
             </a:xfrm>
             <a:prstGeom prst="rect">
               <a:avLst/>
@@ -5161,7 +5161,7 @@
                   <a:ea typeface="Arial" charset="0"/>
                   <a:cs typeface="Arial" charset="0"/>
                 </a:rPr>
-                <a:t>The ID gives a unique identifier for each row in the data.</a:t>
+                <a:t>SMC</a:t>
               </a:r>
               <a:endParaRPr lang="en-US" sz="1600" dirty="0">
                 <a:latin typeface="Arial" charset="0"/>

--- a/Diagram.pptx
+++ b/Diagram.pptx
@@ -3721,8 +3721,8 @@
           </p:nvSpPr>
           <p:spPr>
             <a:xfrm>
-              <a:off x="1253834" y="520700"/>
-              <a:ext cx="908631" cy="923330"/>
+              <a:off x="660983" y="539118"/>
+              <a:ext cx="2103581" cy="369332"/>
             </a:xfrm>
             <a:prstGeom prst="rect">
               <a:avLst/>
@@ -4328,7 +4328,7 @@
             <a:p>
               <a:pPr algn="ctr"/>
               <a:r>
-                <a:rPr lang="en-US" sz="1600" smtClean="0">
+                <a:rPr lang="en-US" sz="1600" dirty="0" smtClean="0">
                   <a:latin typeface="Arial" charset="0"/>
                   <a:ea typeface="Arial" charset="0"/>
                   <a:cs typeface="Arial" charset="0"/>
